--- a/slides.pptx
+++ b/slides.pptx
@@ -204,7 +204,7 @@
           <a:p>
             <a:fld id="{38F9FAD5-DB52-2447-84B5-85A986E1B241}" type="datetimeFigureOut">
               <a:rPr lang="en-US" smtClean="0"/>
-              <a:t>4/17/2019</a:t>
+              <a:t>4/18/2019</a:t>
             </a:fld>
             <a:endParaRPr lang="en-US"/>
           </a:p>
@@ -702,7 +702,7 @@
           <a:p>
             <a:fld id="{847E1A54-32E7-6B4D-9357-6B7774C1508D}" type="datetime5">
               <a:rPr lang="en-US" smtClean="0"/>
-              <a:t>17-Apr-19</a:t>
+              <a:t>18-Apr-19</a:t>
             </a:fld>
             <a:endParaRPr lang="en-US"/>
           </a:p>
@@ -900,7 +900,7 @@
           <a:p>
             <a:fld id="{FCCDD9F9-FE5D-884B-8087-02D67E286A00}" type="datetime5">
               <a:rPr lang="en-US" smtClean="0"/>
-              <a:t>17-Apr-19</a:t>
+              <a:t>18-Apr-19</a:t>
             </a:fld>
             <a:endParaRPr lang="en-US"/>
           </a:p>
@@ -1108,7 +1108,7 @@
           <a:p>
             <a:fld id="{5CBB407D-B788-354B-A09C-24C3C712CEC8}" type="datetime5">
               <a:rPr lang="en-US" smtClean="0"/>
-              <a:t>17-Apr-19</a:t>
+              <a:t>18-Apr-19</a:t>
             </a:fld>
             <a:endParaRPr lang="en-US"/>
           </a:p>
@@ -1313,7 +1313,7 @@
           <a:p>
             <a:fld id="{8702BD1D-CDAB-694B-AE4C-FBA28D5CF6CD}" type="datetime5">
               <a:rPr lang="en-US" smtClean="0"/>
-              <a:t>17-Apr-19</a:t>
+              <a:t>18-Apr-19</a:t>
             </a:fld>
             <a:endParaRPr lang="en-US"/>
           </a:p>
@@ -1588,7 +1588,7 @@
           <a:p>
             <a:fld id="{77105E9D-E72D-7848-A9AC-182B05232515}" type="datetime5">
               <a:rPr lang="en-US" smtClean="0"/>
-              <a:t>17-Apr-19</a:t>
+              <a:t>18-Apr-19</a:t>
             </a:fld>
             <a:endParaRPr lang="en-US"/>
           </a:p>
@@ -1853,7 +1853,7 @@
           <a:p>
             <a:fld id="{A90C85BC-6AAD-2241-95E9-784B7225AF03}" type="datetime5">
               <a:rPr lang="en-US" smtClean="0"/>
-              <a:t>17-Apr-19</a:t>
+              <a:t>18-Apr-19</a:t>
             </a:fld>
             <a:endParaRPr lang="en-US"/>
           </a:p>
@@ -2265,7 +2265,7 @@
           <a:p>
             <a:fld id="{586932D3-1ABF-8441-B08E-355FA5204BF1}" type="datetime5">
               <a:rPr lang="en-US" smtClean="0"/>
-              <a:t>17-Apr-19</a:t>
+              <a:t>18-Apr-19</a:t>
             </a:fld>
             <a:endParaRPr lang="en-US"/>
           </a:p>
@@ -2406,7 +2406,7 @@
           <a:p>
             <a:fld id="{1A1BA23E-55DA-9743-8EBE-033F347D8D09}" type="datetime5">
               <a:rPr lang="en-US" smtClean="0"/>
-              <a:t>17-Apr-19</a:t>
+              <a:t>18-Apr-19</a:t>
             </a:fld>
             <a:endParaRPr lang="en-US"/>
           </a:p>
@@ -2519,7 +2519,7 @@
           <a:p>
             <a:fld id="{A170BC56-9CAC-624B-BEC3-AC50AEDE84AD}" type="datetime5">
               <a:rPr lang="en-US" smtClean="0"/>
-              <a:t>17-Apr-19</a:t>
+              <a:t>18-Apr-19</a:t>
             </a:fld>
             <a:endParaRPr lang="en-US"/>
           </a:p>
@@ -2830,7 +2830,7 @@
           <a:p>
             <a:fld id="{4E83A9E7-DFE7-D24E-85AF-5BA10C55FF0E}" type="datetime5">
               <a:rPr lang="en-US" smtClean="0"/>
-              <a:t>17-Apr-19</a:t>
+              <a:t>18-Apr-19</a:t>
             </a:fld>
             <a:endParaRPr lang="en-US"/>
           </a:p>
@@ -3121,7 +3121,7 @@
           <a:p>
             <a:fld id="{9787C68A-844E-414D-8087-F1A43DF5C929}" type="datetime5">
               <a:rPr lang="en-US" smtClean="0"/>
-              <a:t>17-Apr-19</a:t>
+              <a:t>18-Apr-19</a:t>
             </a:fld>
             <a:endParaRPr lang="en-US"/>
           </a:p>
@@ -3380,7 +3380,7 @@
           <a:p>
             <a:fld id="{0C4E6960-1EBB-2641-B65E-AB7A15107CA4}" type="datetime5">
               <a:rPr lang="en-US" smtClean="0"/>
-              <a:t>17-Apr-19</a:t>
+              <a:t>18-Apr-19</a:t>
             </a:fld>
             <a:endParaRPr lang="en-US"/>
           </a:p>
@@ -3938,7 +3938,7 @@
                   </a:solidFill>
                 </a:uFill>
               </a:rPr>
-              <a:t>Bullying Detection</a:t>
+              <a:t>Bullying Detection Survey</a:t>
             </a:r>
           </a:p>
         </p:txBody>
@@ -3967,13 +3967,13 @@
         </p:spPr>
         <p:txBody>
           <a:bodyPr anchor="ctr">
-            <a:normAutofit fontScale="92500" lnSpcReduction="10000"/>
+            <a:normAutofit fontScale="85000" lnSpcReduction="10000"/>
           </a:bodyPr>
           <a:lstStyle/>
           <a:p>
             <a:r>
               <a:rPr lang="en-US" sz="3600" b="1" dirty="0"/>
-              <a:t>Rolando, Marc and Maxim</a:t>
+              <a:t>Rolando Nieves, Marc Mailloux and Maxim Shelopugin</a:t>
             </a:r>
           </a:p>
           <a:p>
@@ -4068,7 +4068,7 @@
           <a:p>
             <a:r>
               <a:rPr lang="en-US" dirty="0"/>
-              <a:t>Bullying Detection Approach Comparison</a:t>
+              <a:t>Bullying Detection Approach Survey</a:t>
             </a:r>
           </a:p>
           <a:p>
@@ -4080,6 +4080,12 @@
           <a:p>
             <a:r>
               <a:rPr lang="en-US" dirty="0"/>
+              <a:t>Not only from ethical but security perspective</a:t>
+            </a:r>
+          </a:p>
+          <a:p>
+            <a:r>
+              <a:rPr lang="en-US" dirty="0"/>
               <a:t>Given a set of tweets/messages detect bullying instances</a:t>
             </a:r>
           </a:p>
@@ -4145,7 +4151,7 @@
           <a:p>
             <a:fld id="{8702BD1D-CDAB-694B-AE4C-FBA28D5CF6CD}" type="datetime5">
               <a:rPr lang="en-US" smtClean="0"/>
-              <a:t>17-Apr-19</a:t>
+              <a:t>18-Apr-19</a:t>
             </a:fld>
             <a:endParaRPr lang="en-US"/>
           </a:p>
@@ -4267,6 +4273,12 @@
           <a:p>
             <a:r>
               <a:rPr lang="en-US" dirty="0"/>
+              <a:t>Preprocessing – remove punctuation, case, small words</a:t>
+            </a:r>
+          </a:p>
+          <a:p>
+            <a:r>
+              <a:rPr lang="en-US" dirty="0"/>
               <a:t>Embedding is n-gram (3,4,3-4)</a:t>
             </a:r>
           </a:p>
@@ -4306,7 +4318,7 @@
             <a:pPr lvl="1"/>
             <a:r>
               <a:rPr lang="en-US" dirty="0"/>
-              <a:t>Given a vector, assign the label directly through linear regression</a:t>
+              <a:t>Given a vector, assign the label directly through logistic regression</a:t>
             </a:r>
           </a:p>
         </p:txBody>
@@ -4334,7 +4346,7 @@
           <a:p>
             <a:fld id="{8702BD1D-CDAB-694B-AE4C-FBA28D5CF6CD}" type="datetime5">
               <a:rPr lang="en-US" smtClean="0"/>
-              <a:t>17-Apr-19</a:t>
+              <a:t>18-Apr-19</a:t>
             </a:fld>
             <a:endParaRPr lang="en-US"/>
           </a:p>
@@ -4508,7 +4520,7 @@
           <a:p>
             <a:fld id="{8702BD1D-CDAB-694B-AE4C-FBA28D5CF6CD}" type="datetime5">
               <a:rPr lang="en-US" smtClean="0"/>
-              <a:t>17-Apr-19</a:t>
+              <a:t>18-Apr-19</a:t>
             </a:fld>
             <a:endParaRPr lang="en-US"/>
           </a:p>
@@ -4649,7 +4661,7 @@
           <a:p>
             <a:fld id="{8702BD1D-CDAB-694B-AE4C-FBA28D5CF6CD}" type="datetime5">
               <a:rPr lang="en-US" smtClean="0"/>
-              <a:t>17-Apr-19</a:t>
+              <a:t>18-Apr-19</a:t>
             </a:fld>
             <a:endParaRPr lang="en-US"/>
           </a:p>
@@ -4778,7 +4790,7 @@
           <a:p>
             <a:r>
               <a:rPr lang="en-US" dirty="0"/>
-              <a:t>An issue is to detect personal attack</a:t>
+              <a:t>An issue is to detect personal attacks</a:t>
             </a:r>
           </a:p>
           <a:p>
@@ -4850,7 +4862,7 @@
           <a:p>
             <a:fld id="{8702BD1D-CDAB-694B-AE4C-FBA28D5CF6CD}" type="datetime5">
               <a:rPr lang="en-US" smtClean="0"/>
-              <a:t>17-Apr-19</a:t>
+              <a:t>18-Apr-19</a:t>
             </a:fld>
             <a:endParaRPr lang="en-US"/>
           </a:p>
@@ -4964,7 +4976,7 @@
           <a:bodyPr/>
           <a:lstStyle/>
           <a:p>
-            <a:endParaRPr lang="en-US"/>
+            <a:endParaRPr lang="en-US" dirty="0"/>
           </a:p>
         </p:txBody>
       </p:sp>
@@ -4991,7 +5003,7 @@
           <a:p>
             <a:fld id="{8702BD1D-CDAB-694B-AE4C-FBA28D5CF6CD}" type="datetime5">
               <a:rPr lang="en-US" smtClean="0"/>
-              <a:t>17-Apr-19</a:t>
+              <a:t>18-Apr-19</a:t>
             </a:fld>
             <a:endParaRPr lang="en-US"/>
           </a:p>
@@ -5132,7 +5144,7 @@
           <a:p>
             <a:fld id="{8702BD1D-CDAB-694B-AE4C-FBA28D5CF6CD}" type="datetime5">
               <a:rPr lang="en-US" smtClean="0"/>
-              <a:t>17-Apr-19</a:t>
+              <a:t>18-Apr-19</a:t>
             </a:fld>
             <a:endParaRPr lang="en-US"/>
           </a:p>

--- a/slides.pptx
+++ b/slides.pptx
@@ -204,7 +204,7 @@
           <a:p>
             <a:fld id="{38F9FAD5-DB52-2447-84B5-85A986E1B241}" type="datetimeFigureOut">
               <a:rPr lang="en-US" smtClean="0"/>
-              <a:t>4/18/2019</a:t>
+              <a:t>4/24/2019</a:t>
             </a:fld>
             <a:endParaRPr lang="en-US"/>
           </a:p>
@@ -702,7 +702,7 @@
           <a:p>
             <a:fld id="{847E1A54-32E7-6B4D-9357-6B7774C1508D}" type="datetime5">
               <a:rPr lang="en-US" smtClean="0"/>
-              <a:t>18-Apr-19</a:t>
+              <a:t>24-Apr-19</a:t>
             </a:fld>
             <a:endParaRPr lang="en-US"/>
           </a:p>
@@ -900,7 +900,7 @@
           <a:p>
             <a:fld id="{FCCDD9F9-FE5D-884B-8087-02D67E286A00}" type="datetime5">
               <a:rPr lang="en-US" smtClean="0"/>
-              <a:t>18-Apr-19</a:t>
+              <a:t>24-Apr-19</a:t>
             </a:fld>
             <a:endParaRPr lang="en-US"/>
           </a:p>
@@ -1108,7 +1108,7 @@
           <a:p>
             <a:fld id="{5CBB407D-B788-354B-A09C-24C3C712CEC8}" type="datetime5">
               <a:rPr lang="en-US" smtClean="0"/>
-              <a:t>18-Apr-19</a:t>
+              <a:t>24-Apr-19</a:t>
             </a:fld>
             <a:endParaRPr lang="en-US"/>
           </a:p>
@@ -1313,7 +1313,7 @@
           <a:p>
             <a:fld id="{8702BD1D-CDAB-694B-AE4C-FBA28D5CF6CD}" type="datetime5">
               <a:rPr lang="en-US" smtClean="0"/>
-              <a:t>18-Apr-19</a:t>
+              <a:t>24-Apr-19</a:t>
             </a:fld>
             <a:endParaRPr lang="en-US"/>
           </a:p>
@@ -1588,7 +1588,7 @@
           <a:p>
             <a:fld id="{77105E9D-E72D-7848-A9AC-182B05232515}" type="datetime5">
               <a:rPr lang="en-US" smtClean="0"/>
-              <a:t>18-Apr-19</a:t>
+              <a:t>24-Apr-19</a:t>
             </a:fld>
             <a:endParaRPr lang="en-US"/>
           </a:p>
@@ -1853,7 +1853,7 @@
           <a:p>
             <a:fld id="{A90C85BC-6AAD-2241-95E9-784B7225AF03}" type="datetime5">
               <a:rPr lang="en-US" smtClean="0"/>
-              <a:t>18-Apr-19</a:t>
+              <a:t>24-Apr-19</a:t>
             </a:fld>
             <a:endParaRPr lang="en-US"/>
           </a:p>
@@ -2265,7 +2265,7 @@
           <a:p>
             <a:fld id="{586932D3-1ABF-8441-B08E-355FA5204BF1}" type="datetime5">
               <a:rPr lang="en-US" smtClean="0"/>
-              <a:t>18-Apr-19</a:t>
+              <a:t>24-Apr-19</a:t>
             </a:fld>
             <a:endParaRPr lang="en-US"/>
           </a:p>
@@ -2406,7 +2406,7 @@
           <a:p>
             <a:fld id="{1A1BA23E-55DA-9743-8EBE-033F347D8D09}" type="datetime5">
               <a:rPr lang="en-US" smtClean="0"/>
-              <a:t>18-Apr-19</a:t>
+              <a:t>24-Apr-19</a:t>
             </a:fld>
             <a:endParaRPr lang="en-US"/>
           </a:p>
@@ -2519,7 +2519,7 @@
           <a:p>
             <a:fld id="{A170BC56-9CAC-624B-BEC3-AC50AEDE84AD}" type="datetime5">
               <a:rPr lang="en-US" smtClean="0"/>
-              <a:t>18-Apr-19</a:t>
+              <a:t>24-Apr-19</a:t>
             </a:fld>
             <a:endParaRPr lang="en-US"/>
           </a:p>
@@ -2830,7 +2830,7 @@
           <a:p>
             <a:fld id="{4E83A9E7-DFE7-D24E-85AF-5BA10C55FF0E}" type="datetime5">
               <a:rPr lang="en-US" smtClean="0"/>
-              <a:t>18-Apr-19</a:t>
+              <a:t>24-Apr-19</a:t>
             </a:fld>
             <a:endParaRPr lang="en-US"/>
           </a:p>
@@ -3121,7 +3121,7 @@
           <a:p>
             <a:fld id="{9787C68A-844E-414D-8087-F1A43DF5C929}" type="datetime5">
               <a:rPr lang="en-US" smtClean="0"/>
-              <a:t>18-Apr-19</a:t>
+              <a:t>24-Apr-19</a:t>
             </a:fld>
             <a:endParaRPr lang="en-US"/>
           </a:p>
@@ -3380,7 +3380,7 @@
           <a:p>
             <a:fld id="{0C4E6960-1EBB-2641-B65E-AB7A15107CA4}" type="datetime5">
               <a:rPr lang="en-US" smtClean="0"/>
-              <a:t>18-Apr-19</a:t>
+              <a:t>24-Apr-19</a:t>
             </a:fld>
             <a:endParaRPr lang="en-US"/>
           </a:p>
@@ -3931,6 +3931,16 @@
           <a:lstStyle/>
           <a:p>
             <a:r>
+              <a:rPr lang="en-US" spc="-1" dirty="0">
+                <a:uFill>
+                  <a:solidFill>
+                    <a:srgbClr val="FFFFFF"/>
+                  </a:solidFill>
+                </a:uFill>
+              </a:rPr>
+              <a:t>Cyberb</a:t>
+            </a:r>
+            <a:r>
               <a:rPr lang="en-US" b="1" spc="-1" dirty="0">
                 <a:uFill>
                   <a:solidFill>
@@ -3938,7 +3948,7 @@
                   </a:solidFill>
                 </a:uFill>
               </a:rPr>
-              <a:t>Bullying Detection Survey</a:t>
+              <a:t>ullying Detection Survey</a:t>
             </a:r>
           </a:p>
         </p:txBody>
@@ -3982,7 +3992,7 @@
           <a:p>
             <a:r>
               <a:rPr lang="en-US" sz="3600" dirty="0"/>
-              <a:t>4/17/2019</a:t>
+              <a:t>4/25/2019</a:t>
             </a:r>
           </a:p>
         </p:txBody>
@@ -4068,13 +4078,13 @@
           <a:p>
             <a:r>
               <a:rPr lang="en-US" dirty="0"/>
-              <a:t>Bullying Detection Approach Survey</a:t>
+              <a:t>Given the data driven world, cyberbullying is a big issue</a:t>
             </a:r>
           </a:p>
           <a:p>
             <a:r>
               <a:rPr lang="en-US" dirty="0"/>
-              <a:t>Given the data driven world, cyberbullying is a big issue</a:t>
+              <a:t>The impact of cyberbullying can be catastrophic</a:t>
             </a:r>
           </a:p>
           <a:p>
@@ -4151,7 +4161,7 @@
           <a:p>
             <a:fld id="{8702BD1D-CDAB-694B-AE4C-FBA28D5CF6CD}" type="datetime5">
               <a:rPr lang="en-US" smtClean="0"/>
-              <a:t>18-Apr-19</a:t>
+              <a:t>24-Apr-19</a:t>
             </a:fld>
             <a:endParaRPr lang="en-US"/>
           </a:p>
@@ -4273,7 +4283,7 @@
           <a:p>
             <a:r>
               <a:rPr lang="en-US" dirty="0"/>
-              <a:t>Preprocessing – remove punctuation, case, small words</a:t>
+              <a:t>Preprocessing – remove punctuation, case, useless words</a:t>
             </a:r>
           </a:p>
           <a:p>
@@ -4346,7 +4356,7 @@
           <a:p>
             <a:fld id="{8702BD1D-CDAB-694B-AE4C-FBA28D5CF6CD}" type="datetime5">
               <a:rPr lang="en-US" smtClean="0"/>
-              <a:t>18-Apr-19</a:t>
+              <a:t>24-Apr-19</a:t>
             </a:fld>
             <a:endParaRPr lang="en-US"/>
           </a:p>
@@ -4466,12 +4476,27 @@
             </a:r>
           </a:p>
           <a:p>
+            <a:pPr lvl="1"/>
+            <a:r>
+              <a:rPr lang="en-US" dirty="0"/>
+              <a:t>Distribution of 81.7 – 2.9 – 3.0 – 12.4</a:t>
+            </a:r>
+          </a:p>
+          <a:p>
+            <a:pPr lvl="1"/>
+            <a:r>
+              <a:rPr lang="en-US" dirty="0"/>
+              <a:t>Double count categories 2 and 3</a:t>
+            </a:r>
+          </a:p>
+          <a:p>
             <a:r>
               <a:rPr lang="en-US" dirty="0"/>
               <a:t>Originally labeled as bullying / non-bullying</a:t>
             </a:r>
           </a:p>
           <a:p>
+            <a:pPr lvl="1"/>
             <a:r>
               <a:rPr lang="en-US" dirty="0"/>
               <a:t>Had to manually re-label to satisfy the criteria</a:t>
@@ -4492,7 +4517,15 @@
           <a:p>
             <a:r>
               <a:rPr lang="en-US" dirty="0"/>
-              <a:t>Optimize for Recall-score ( aim to catch as many bullying instances as possible, false positives are acceptable)</a:t>
+              <a:t>Optimize for </a:t>
+            </a:r>
+            <a:r>
+              <a:rPr lang="en-US" i="1" dirty="0"/>
+              <a:t>Recall </a:t>
+            </a:r>
+            <a:r>
+              <a:rPr lang="en-US" dirty="0"/>
+              <a:t>score ( aim to catch as many bullying instances as possible,  false positives are acceptable)</a:t>
             </a:r>
           </a:p>
         </p:txBody>
@@ -4520,7 +4553,7 @@
           <a:p>
             <a:fld id="{8702BD1D-CDAB-694B-AE4C-FBA28D5CF6CD}" type="datetime5">
               <a:rPr lang="en-US" smtClean="0"/>
-              <a:t>18-Apr-19</a:t>
+              <a:t>24-Apr-19</a:t>
             </a:fld>
             <a:endParaRPr lang="en-US"/>
           </a:p>
@@ -4629,12 +4662,44 @@
             <p:ph idx="1"/>
           </p:nvPr>
         </p:nvSpPr>
-        <p:spPr/>
-        <p:txBody>
-          <a:bodyPr/>
-          <a:lstStyle/>
-          <a:p>
+        <p:spPr>
+          <a:xfrm>
+            <a:off x="854110" y="2210845"/>
+            <a:ext cx="10499690" cy="4307970"/>
+          </a:xfrm>
+        </p:spPr>
+        <p:txBody>
+          <a:bodyPr/>
+          <a:lstStyle/>
+          <a:p>
+            <a:r>
+              <a:rPr lang="en-US" dirty="0"/>
+              <a:t>ANN</a:t>
+            </a:r>
+          </a:p>
+          <a:p>
+            <a:pPr marL="0" indent="0">
+              <a:buNone/>
+            </a:pPr>
             <a:endParaRPr lang="en-US" dirty="0"/>
+          </a:p>
+          <a:p>
+            <a:r>
+              <a:rPr lang="en-US" dirty="0"/>
+              <a:t>SVM</a:t>
+            </a:r>
+          </a:p>
+          <a:p>
+            <a:pPr marL="0" indent="0">
+              <a:buNone/>
+            </a:pPr>
+            <a:endParaRPr lang="en-US" dirty="0"/>
+          </a:p>
+          <a:p>
+            <a:r>
+              <a:rPr lang="en-US" dirty="0"/>
+              <a:t>Naïve Bayes</a:t>
+            </a:r>
           </a:p>
         </p:txBody>
       </p:sp>
@@ -4661,7 +4726,7 @@
           <a:p>
             <a:fld id="{8702BD1D-CDAB-694B-AE4C-FBA28D5CF6CD}" type="datetime5">
               <a:rPr lang="en-US" smtClean="0"/>
-              <a:t>18-Apr-19</a:t>
+              <a:t>24-Apr-19</a:t>
             </a:fld>
             <a:endParaRPr lang="en-US"/>
           </a:p>
@@ -4693,6 +4758,350 @@
               <a:t>5</a:t>
             </a:fld>
             <a:endParaRPr lang="en-US"/>
+          </a:p>
+        </p:txBody>
+      </p:sp>
+      <p:graphicFrame>
+        <p:nvGraphicFramePr>
+          <p:cNvPr id="6" name="Table 5">
+            <a:extLst>
+              <a:ext uri="{FF2B5EF4-FFF2-40B4-BE49-F238E27FC236}">
+                <a16:creationId xmlns:a16="http://schemas.microsoft.com/office/drawing/2014/main" id="{3E65FDDE-7A70-4729-9AF8-BD5785C07ECB}"/>
+              </a:ext>
+            </a:extLst>
+          </p:cNvPr>
+          <p:cNvGraphicFramePr>
+            <a:graphicFrameLocks noGrp="1"/>
+          </p:cNvGraphicFramePr>
+          <p:nvPr>
+            <p:extLst>
+              <p:ext uri="{D42A27DB-BD31-4B8C-83A1-F6EECF244321}">
+                <p14:modId xmlns:p14="http://schemas.microsoft.com/office/powerpoint/2010/main" val="2404602793"/>
+              </p:ext>
+            </p:extLst>
+          </p:nvPr>
+        </p:nvGraphicFramePr>
+        <p:xfrm>
+          <a:off x="2209800" y="2699511"/>
+          <a:ext cx="8127999" cy="370840"/>
+        </p:xfrm>
+        <a:graphic>
+          <a:graphicData uri="http://schemas.openxmlformats.org/drawingml/2006/table">
+            <a:tbl>
+              <a:tblPr firstRow="1" bandRow="1">
+                <a:tableStyleId>{5C22544A-7EE6-4342-B048-85BDC9FD1C3A}</a:tableStyleId>
+              </a:tblPr>
+              <a:tblGrid>
+                <a:gridCol w="2709333">
+                  <a:extLst>
+                    <a:ext uri="{9D8B030D-6E8A-4147-A177-3AD203B41FA5}">
+                      <a16:colId xmlns:a16="http://schemas.microsoft.com/office/drawing/2014/main" val="3660274125"/>
+                    </a:ext>
+                  </a:extLst>
+                </a:gridCol>
+                <a:gridCol w="2709333">
+                  <a:extLst>
+                    <a:ext uri="{9D8B030D-6E8A-4147-A177-3AD203B41FA5}">
+                      <a16:colId xmlns:a16="http://schemas.microsoft.com/office/drawing/2014/main" val="326388950"/>
+                    </a:ext>
+                  </a:extLst>
+                </a:gridCol>
+                <a:gridCol w="2709333">
+                  <a:extLst>
+                    <a:ext uri="{9D8B030D-6E8A-4147-A177-3AD203B41FA5}">
+                      <a16:colId xmlns:a16="http://schemas.microsoft.com/office/drawing/2014/main" val="2842704334"/>
+                    </a:ext>
+                  </a:extLst>
+                </a:gridCol>
+              </a:tblGrid>
+              <a:tr h="370840">
+                <a:tc>
+                  <a:txBody>
+                    <a:bodyPr/>
+                    <a:lstStyle/>
+                    <a:p>
+                      <a:r>
+                        <a:rPr lang="en-US" dirty="0"/>
+                        <a:t>0.866</a:t>
+                      </a:r>
+                    </a:p>
+                  </a:txBody>
+                  <a:tcPr/>
+                </a:tc>
+                <a:tc>
+                  <a:txBody>
+                    <a:bodyPr/>
+                    <a:lstStyle/>
+                    <a:p>
+                      <a:r>
+                        <a:rPr lang="en-US" dirty="0"/>
+                        <a:t>0.875</a:t>
+                      </a:r>
+                    </a:p>
+                  </a:txBody>
+                  <a:tcPr/>
+                </a:tc>
+                <a:tc>
+                  <a:txBody>
+                    <a:bodyPr/>
+                    <a:lstStyle/>
+                    <a:p>
+                      <a:r>
+                        <a:rPr lang="en-US" dirty="0"/>
+                        <a:t>0.840</a:t>
+                      </a:r>
+                    </a:p>
+                  </a:txBody>
+                  <a:tcPr/>
+                </a:tc>
+                <a:extLst>
+                  <a:ext uri="{0D108BD9-81ED-4DB2-BD59-A6C34878D82A}">
+                    <a16:rowId xmlns:a16="http://schemas.microsoft.com/office/drawing/2014/main" val="1586959470"/>
+                  </a:ext>
+                </a:extLst>
+              </a:tr>
+            </a:tbl>
+          </a:graphicData>
+        </a:graphic>
+      </p:graphicFrame>
+      <p:graphicFrame>
+        <p:nvGraphicFramePr>
+          <p:cNvPr id="7" name="Table 6">
+            <a:extLst>
+              <a:ext uri="{FF2B5EF4-FFF2-40B4-BE49-F238E27FC236}">
+                <a16:creationId xmlns:a16="http://schemas.microsoft.com/office/drawing/2014/main" id="{B5ADF82E-D3E3-47E2-920F-A27C4D0D0B30}"/>
+              </a:ext>
+            </a:extLst>
+          </p:cNvPr>
+          <p:cNvGraphicFramePr>
+            <a:graphicFrameLocks noGrp="1"/>
+          </p:cNvGraphicFramePr>
+          <p:nvPr>
+            <p:extLst>
+              <p:ext uri="{D42A27DB-BD31-4B8C-83A1-F6EECF244321}">
+                <p14:modId xmlns:p14="http://schemas.microsoft.com/office/powerpoint/2010/main" val="1454620089"/>
+              </p:ext>
+            </p:extLst>
+          </p:nvPr>
+        </p:nvGraphicFramePr>
+        <p:xfrm>
+          <a:off x="2209798" y="3751050"/>
+          <a:ext cx="8127999" cy="370840"/>
+        </p:xfrm>
+        <a:graphic>
+          <a:graphicData uri="http://schemas.openxmlformats.org/drawingml/2006/table">
+            <a:tbl>
+              <a:tblPr firstRow="1" bandRow="1">
+                <a:tableStyleId>{5C22544A-7EE6-4342-B048-85BDC9FD1C3A}</a:tableStyleId>
+              </a:tblPr>
+              <a:tblGrid>
+                <a:gridCol w="2709333">
+                  <a:extLst>
+                    <a:ext uri="{9D8B030D-6E8A-4147-A177-3AD203B41FA5}">
+                      <a16:colId xmlns:a16="http://schemas.microsoft.com/office/drawing/2014/main" val="3660274125"/>
+                    </a:ext>
+                  </a:extLst>
+                </a:gridCol>
+                <a:gridCol w="2709333">
+                  <a:extLst>
+                    <a:ext uri="{9D8B030D-6E8A-4147-A177-3AD203B41FA5}">
+                      <a16:colId xmlns:a16="http://schemas.microsoft.com/office/drawing/2014/main" val="326388950"/>
+                    </a:ext>
+                  </a:extLst>
+                </a:gridCol>
+                <a:gridCol w="2709333">
+                  <a:extLst>
+                    <a:ext uri="{9D8B030D-6E8A-4147-A177-3AD203B41FA5}">
+                      <a16:colId xmlns:a16="http://schemas.microsoft.com/office/drawing/2014/main" val="2842704334"/>
+                    </a:ext>
+                  </a:extLst>
+                </a:gridCol>
+              </a:tblGrid>
+              <a:tr h="370840">
+                <a:tc>
+                  <a:txBody>
+                    <a:bodyPr/>
+                    <a:lstStyle/>
+                    <a:p>
+                      <a:r>
+                        <a:rPr lang="en-US" dirty="0"/>
+                        <a:t>0.855</a:t>
+                      </a:r>
+                    </a:p>
+                  </a:txBody>
+                  <a:tcPr/>
+                </a:tc>
+                <a:tc>
+                  <a:txBody>
+                    <a:bodyPr/>
+                    <a:lstStyle/>
+                    <a:p>
+                      <a:r>
+                        <a:rPr lang="en-US" dirty="0"/>
+                        <a:t>0.882</a:t>
+                      </a:r>
+                    </a:p>
+                  </a:txBody>
+                  <a:tcPr/>
+                </a:tc>
+                <a:tc>
+                  <a:txBody>
+                    <a:bodyPr/>
+                    <a:lstStyle/>
+                    <a:p>
+                      <a:r>
+                        <a:rPr lang="en-US" dirty="0"/>
+                        <a:t>0.853</a:t>
+                      </a:r>
+                    </a:p>
+                  </a:txBody>
+                  <a:tcPr/>
+                </a:tc>
+                <a:extLst>
+                  <a:ext uri="{0D108BD9-81ED-4DB2-BD59-A6C34878D82A}">
+                    <a16:rowId xmlns:a16="http://schemas.microsoft.com/office/drawing/2014/main" val="1586959470"/>
+                  </a:ext>
+                </a:extLst>
+              </a:tr>
+            </a:tbl>
+          </a:graphicData>
+        </a:graphic>
+      </p:graphicFrame>
+      <p:graphicFrame>
+        <p:nvGraphicFramePr>
+          <p:cNvPr id="8" name="Table 7">
+            <a:extLst>
+              <a:ext uri="{FF2B5EF4-FFF2-40B4-BE49-F238E27FC236}">
+                <a16:creationId xmlns:a16="http://schemas.microsoft.com/office/drawing/2014/main" id="{947EB8FC-3C43-4E5D-9E62-E8E3A78B8F21}"/>
+              </a:ext>
+            </a:extLst>
+          </p:cNvPr>
+          <p:cNvGraphicFramePr>
+            <a:graphicFrameLocks noGrp="1"/>
+          </p:cNvGraphicFramePr>
+          <p:nvPr>
+            <p:extLst>
+              <p:ext uri="{D42A27DB-BD31-4B8C-83A1-F6EECF244321}">
+                <p14:modId xmlns:p14="http://schemas.microsoft.com/office/powerpoint/2010/main" val="1494897991"/>
+              </p:ext>
+            </p:extLst>
+          </p:nvPr>
+        </p:nvGraphicFramePr>
+        <p:xfrm>
+          <a:off x="2209799" y="4880508"/>
+          <a:ext cx="8127999" cy="370840"/>
+        </p:xfrm>
+        <a:graphic>
+          <a:graphicData uri="http://schemas.openxmlformats.org/drawingml/2006/table">
+            <a:tbl>
+              <a:tblPr firstRow="1" bandRow="1">
+                <a:tableStyleId>{5C22544A-7EE6-4342-B048-85BDC9FD1C3A}</a:tableStyleId>
+              </a:tblPr>
+              <a:tblGrid>
+                <a:gridCol w="2709333">
+                  <a:extLst>
+                    <a:ext uri="{9D8B030D-6E8A-4147-A177-3AD203B41FA5}">
+                      <a16:colId xmlns:a16="http://schemas.microsoft.com/office/drawing/2014/main" val="3660274125"/>
+                    </a:ext>
+                  </a:extLst>
+                </a:gridCol>
+                <a:gridCol w="2709333">
+                  <a:extLst>
+                    <a:ext uri="{9D8B030D-6E8A-4147-A177-3AD203B41FA5}">
+                      <a16:colId xmlns:a16="http://schemas.microsoft.com/office/drawing/2014/main" val="326388950"/>
+                    </a:ext>
+                  </a:extLst>
+                </a:gridCol>
+                <a:gridCol w="2709333">
+                  <a:extLst>
+                    <a:ext uri="{9D8B030D-6E8A-4147-A177-3AD203B41FA5}">
+                      <a16:colId xmlns:a16="http://schemas.microsoft.com/office/drawing/2014/main" val="2842704334"/>
+                    </a:ext>
+                  </a:extLst>
+                </a:gridCol>
+              </a:tblGrid>
+              <a:tr h="370840">
+                <a:tc>
+                  <a:txBody>
+                    <a:bodyPr/>
+                    <a:lstStyle/>
+                    <a:p>
+                      <a:r>
+                        <a:rPr lang="en-US" dirty="0"/>
+                        <a:t>0.431</a:t>
+                      </a:r>
+                    </a:p>
+                  </a:txBody>
+                  <a:tcPr/>
+                </a:tc>
+                <a:tc>
+                  <a:txBody>
+                    <a:bodyPr/>
+                    <a:lstStyle/>
+                    <a:p>
+                      <a:r>
+                        <a:rPr lang="en-US" dirty="0"/>
+                        <a:t>0.695</a:t>
+                      </a:r>
+                    </a:p>
+                  </a:txBody>
+                  <a:tcPr/>
+                </a:tc>
+                <a:tc>
+                  <a:txBody>
+                    <a:bodyPr/>
+                    <a:lstStyle/>
+                    <a:p>
+                      <a:r>
+                        <a:rPr lang="en-US" dirty="0"/>
+                        <a:t>0.459</a:t>
+                      </a:r>
+                    </a:p>
+                  </a:txBody>
+                  <a:tcPr/>
+                </a:tc>
+                <a:extLst>
+                  <a:ext uri="{0D108BD9-81ED-4DB2-BD59-A6C34878D82A}">
+                    <a16:rowId xmlns:a16="http://schemas.microsoft.com/office/drawing/2014/main" val="1586959470"/>
+                  </a:ext>
+                </a:extLst>
+              </a:tr>
+            </a:tbl>
+          </a:graphicData>
+        </a:graphic>
+      </p:graphicFrame>
+      <p:sp>
+        <p:nvSpPr>
+          <p:cNvPr id="9" name="TextBox 8">
+            <a:extLst>
+              <a:ext uri="{FF2B5EF4-FFF2-40B4-BE49-F238E27FC236}">
+                <a16:creationId xmlns:a16="http://schemas.microsoft.com/office/drawing/2014/main" id="{965AB91F-6223-4BD4-B47E-8C2F0717D994}"/>
+              </a:ext>
+            </a:extLst>
+          </p:cNvPr>
+          <p:cNvSpPr txBox="1"/>
+          <p:nvPr/>
+        </p:nvSpPr>
+        <p:spPr>
+          <a:xfrm>
+            <a:off x="2852895" y="2330179"/>
+            <a:ext cx="8127997" cy="369332"/>
+          </a:xfrm>
+          <a:prstGeom prst="rect">
+            <a:avLst/>
+          </a:prstGeom>
+          <a:noFill/>
+        </p:spPr>
+        <p:txBody>
+          <a:bodyPr wrap="square" rtlCol="0">
+            <a:spAutoFit/>
+          </a:bodyPr>
+          <a:lstStyle/>
+          <a:p>
+            <a:r>
+              <a:rPr lang="en-US" dirty="0"/>
+              <a:t>Precision			Recall			F1</a:t>
+            </a:r>
           </a:p>
         </p:txBody>
       </p:sp>
@@ -4817,14 +5226,14 @@
             <a:pPr lvl="1"/>
             <a:r>
               <a:rPr lang="en-US" dirty="0"/>
-              <a:t>ANN gives a lot better recall metric</a:t>
+              <a:t>ANN gives a lot better performance overall</a:t>
             </a:r>
           </a:p>
           <a:p>
             <a:pPr lvl="1"/>
             <a:r>
               <a:rPr lang="en-US" dirty="0"/>
-              <a:t>SVM takes too long to be used routinely</a:t>
+              <a:t>SVM takes too long to be used routinely, but gives impressive results</a:t>
             </a:r>
           </a:p>
           <a:p>
@@ -4862,7 +5271,7 @@
           <a:p>
             <a:fld id="{8702BD1D-CDAB-694B-AE4C-FBA28D5CF6CD}" type="datetime5">
               <a:rPr lang="en-US" smtClean="0"/>
-              <a:t>18-Apr-19</a:t>
+              <a:t>24-Apr-19</a:t>
             </a:fld>
             <a:endParaRPr lang="en-US"/>
           </a:p>
@@ -4976,7 +5385,34 @@
           <a:bodyPr/>
           <a:lstStyle/>
           <a:p>
-            <a:endParaRPr lang="en-US" dirty="0"/>
+            <a:r>
+              <a:rPr lang="en-US" dirty="0"/>
+              <a:t>If a category is broad simple methods do not perform well</a:t>
+            </a:r>
+          </a:p>
+          <a:p>
+            <a:r>
+              <a:rPr lang="en-US" dirty="0"/>
+              <a:t>Overlap between slang and bullying is high</a:t>
+            </a:r>
+          </a:p>
+          <a:p>
+            <a:r>
+              <a:rPr lang="en-US" dirty="0"/>
+              <a:t>Even complicated models miss the meaning</a:t>
+            </a:r>
+          </a:p>
+          <a:p>
+            <a:r>
+              <a:rPr lang="en-US" dirty="0"/>
+              <a:t>When the category is well defined, even simple algorithms perform well</a:t>
+            </a:r>
+          </a:p>
+          <a:p>
+            <a:r>
+              <a:rPr lang="en-US" dirty="0"/>
+              <a:t>Unbalanced data is not as big of an issue as was anticipated</a:t>
+            </a:r>
           </a:p>
         </p:txBody>
       </p:sp>
@@ -5003,7 +5439,7 @@
           <a:p>
             <a:fld id="{8702BD1D-CDAB-694B-AE4C-FBA28D5CF6CD}" type="datetime5">
               <a:rPr lang="en-US" smtClean="0"/>
-              <a:t>18-Apr-19</a:t>
+              <a:t>24-Apr-19</a:t>
             </a:fld>
             <a:endParaRPr lang="en-US"/>
           </a:p>
@@ -5096,31 +5532,489 @@
           </a:p>
         </p:txBody>
       </p:sp>
-      <p:sp>
-        <p:nvSpPr>
-          <p:cNvPr id="3" name="Content Placeholder 2">
-            <a:extLst>
-              <a:ext uri="{FF2B5EF4-FFF2-40B4-BE49-F238E27FC236}">
-                <a16:creationId xmlns:a16="http://schemas.microsoft.com/office/drawing/2014/main" id="{93DA0875-05C3-3143-871A-F1136A8B2B7C}"/>
-              </a:ext>
-            </a:extLst>
-          </p:cNvPr>
-          <p:cNvSpPr>
-            <a:spLocks noGrp="1"/>
-          </p:cNvSpPr>
+      <p:graphicFrame>
+        <p:nvGraphicFramePr>
+          <p:cNvPr id="6" name="Content Placeholder 5">
+            <a:extLst>
+              <a:ext uri="{FF2B5EF4-FFF2-40B4-BE49-F238E27FC236}">
+                <a16:creationId xmlns:a16="http://schemas.microsoft.com/office/drawing/2014/main" id="{2895DF54-C56F-40D1-A57E-68D40B4A992E}"/>
+              </a:ext>
+            </a:extLst>
+          </p:cNvPr>
+          <p:cNvGraphicFramePr>
+            <a:graphicFrameLocks noGrp="1"/>
+          </p:cNvGraphicFramePr>
           <p:nvPr>
             <p:ph idx="1"/>
-          </p:nvPr>
-        </p:nvSpPr>
-        <p:spPr/>
-        <p:txBody>
-          <a:bodyPr/>
-          <a:lstStyle/>
-          <a:p>
-            <a:endParaRPr lang="en-US"/>
-          </a:p>
-        </p:txBody>
-      </p:sp>
+            <p:extLst>
+              <p:ext uri="{D42A27DB-BD31-4B8C-83A1-F6EECF244321}">
+                <p14:modId xmlns:p14="http://schemas.microsoft.com/office/powerpoint/2010/main" val="1460657120"/>
+              </p:ext>
+            </p:extLst>
+          </p:nvPr>
+        </p:nvGraphicFramePr>
+        <p:xfrm>
+          <a:off x="838200" y="1825625"/>
+          <a:ext cx="10515600" cy="2966720"/>
+        </p:xfrm>
+        <a:graphic>
+          <a:graphicData uri="http://schemas.openxmlformats.org/drawingml/2006/table">
+            <a:tbl>
+              <a:tblPr firstRow="1" bandRow="1">
+                <a:tableStyleId>{5C22544A-7EE6-4342-B048-85BDC9FD1C3A}</a:tableStyleId>
+              </a:tblPr>
+              <a:tblGrid>
+                <a:gridCol w="3505200">
+                  <a:extLst>
+                    <a:ext uri="{9D8B030D-6E8A-4147-A177-3AD203B41FA5}">
+                      <a16:colId xmlns:a16="http://schemas.microsoft.com/office/drawing/2014/main" val="321128710"/>
+                    </a:ext>
+                  </a:extLst>
+                </a:gridCol>
+                <a:gridCol w="3505200">
+                  <a:extLst>
+                    <a:ext uri="{9D8B030D-6E8A-4147-A177-3AD203B41FA5}">
+                      <a16:colId xmlns:a16="http://schemas.microsoft.com/office/drawing/2014/main" val="274591039"/>
+                    </a:ext>
+                  </a:extLst>
+                </a:gridCol>
+                <a:gridCol w="3505200">
+                  <a:extLst>
+                    <a:ext uri="{9D8B030D-6E8A-4147-A177-3AD203B41FA5}">
+                      <a16:colId xmlns:a16="http://schemas.microsoft.com/office/drawing/2014/main" val="700556425"/>
+                    </a:ext>
+                  </a:extLst>
+                </a:gridCol>
+              </a:tblGrid>
+              <a:tr h="370840">
+                <a:tc>
+                  <a:txBody>
+                    <a:bodyPr/>
+                    <a:lstStyle/>
+                    <a:p>
+                      <a:r>
+                        <a:rPr lang="en-US" dirty="0"/>
+                        <a:t>Rolando</a:t>
+                      </a:r>
+                    </a:p>
+                  </a:txBody>
+                  <a:tcPr/>
+                </a:tc>
+                <a:tc>
+                  <a:txBody>
+                    <a:bodyPr/>
+                    <a:lstStyle/>
+                    <a:p>
+                      <a:r>
+                        <a:rPr lang="en-US" dirty="0"/>
+                        <a:t>Marc</a:t>
+                      </a:r>
+                    </a:p>
+                  </a:txBody>
+                  <a:tcPr/>
+                </a:tc>
+                <a:tc>
+                  <a:txBody>
+                    <a:bodyPr/>
+                    <a:lstStyle/>
+                    <a:p>
+                      <a:r>
+                        <a:rPr lang="en-US" dirty="0"/>
+                        <a:t>Maxim</a:t>
+                      </a:r>
+                    </a:p>
+                  </a:txBody>
+                  <a:tcPr/>
+                </a:tc>
+                <a:extLst>
+                  <a:ext uri="{0D108BD9-81ED-4DB2-BD59-A6C34878D82A}">
+                    <a16:rowId xmlns:a16="http://schemas.microsoft.com/office/drawing/2014/main" val="3984835033"/>
+                  </a:ext>
+                </a:extLst>
+              </a:tr>
+              <a:tr h="370840">
+                <a:tc>
+                  <a:txBody>
+                    <a:bodyPr/>
+                    <a:lstStyle/>
+                    <a:p>
+                      <a:r>
+                        <a:rPr lang="en-US" dirty="0"/>
+                        <a:t>Data labeling</a:t>
+                      </a:r>
+                    </a:p>
+                  </a:txBody>
+                  <a:tcPr>
+                    <a:solidFill>
+                      <a:schemeClr val="accent4">
+                        <a:lumMod val="60000"/>
+                        <a:lumOff val="40000"/>
+                      </a:schemeClr>
+                    </a:solidFill>
+                  </a:tcPr>
+                </a:tc>
+                <a:tc>
+                  <a:txBody>
+                    <a:bodyPr/>
+                    <a:lstStyle/>
+                    <a:p>
+                      <a:r>
+                        <a:rPr lang="en-US" dirty="0"/>
+                        <a:t>Data labeling</a:t>
+                      </a:r>
+                    </a:p>
+                  </a:txBody>
+                  <a:tcPr>
+                    <a:solidFill>
+                      <a:schemeClr val="accent4">
+                        <a:lumMod val="60000"/>
+                        <a:lumOff val="40000"/>
+                      </a:schemeClr>
+                    </a:solidFill>
+                  </a:tcPr>
+                </a:tc>
+                <a:tc>
+                  <a:txBody>
+                    <a:bodyPr/>
+                    <a:lstStyle/>
+                    <a:p>
+                      <a:r>
+                        <a:rPr lang="en-US" dirty="0"/>
+                        <a:t>Data labeling</a:t>
+                      </a:r>
+                    </a:p>
+                  </a:txBody>
+                  <a:tcPr>
+                    <a:solidFill>
+                      <a:schemeClr val="accent4">
+                        <a:lumMod val="60000"/>
+                        <a:lumOff val="40000"/>
+                      </a:schemeClr>
+                    </a:solidFill>
+                  </a:tcPr>
+                </a:tc>
+                <a:extLst>
+                  <a:ext uri="{0D108BD9-81ED-4DB2-BD59-A6C34878D82A}">
+                    <a16:rowId xmlns:a16="http://schemas.microsoft.com/office/drawing/2014/main" val="2959925883"/>
+                  </a:ext>
+                </a:extLst>
+              </a:tr>
+              <a:tr h="370840">
+                <a:tc>
+                  <a:txBody>
+                    <a:bodyPr/>
+                    <a:lstStyle/>
+                    <a:p>
+                      <a:endParaRPr lang="en-US" dirty="0"/>
+                    </a:p>
+                  </a:txBody>
+                  <a:tcPr/>
+                </a:tc>
+                <a:tc>
+                  <a:txBody>
+                    <a:bodyPr/>
+                    <a:lstStyle/>
+                    <a:p>
+                      <a:r>
+                        <a:rPr lang="en-US" dirty="0"/>
+                        <a:t>Tokenization</a:t>
+                      </a:r>
+                    </a:p>
+                  </a:txBody>
+                  <a:tcPr>
+                    <a:solidFill>
+                      <a:schemeClr val="accent2">
+                        <a:lumMod val="60000"/>
+                        <a:lumOff val="40000"/>
+                      </a:schemeClr>
+                    </a:solidFill>
+                  </a:tcPr>
+                </a:tc>
+                <a:tc>
+                  <a:txBody>
+                    <a:bodyPr/>
+                    <a:lstStyle/>
+                    <a:p>
+                      <a:endParaRPr lang="en-US" dirty="0"/>
+                    </a:p>
+                  </a:txBody>
+                  <a:tcPr/>
+                </a:tc>
+                <a:extLst>
+                  <a:ext uri="{0D108BD9-81ED-4DB2-BD59-A6C34878D82A}">
+                    <a16:rowId xmlns:a16="http://schemas.microsoft.com/office/drawing/2014/main" val="1022504368"/>
+                  </a:ext>
+                </a:extLst>
+              </a:tr>
+              <a:tr h="370840">
+                <a:tc>
+                  <a:txBody>
+                    <a:bodyPr/>
+                    <a:lstStyle/>
+                    <a:p>
+                      <a:r>
+                        <a:rPr lang="en-US" dirty="0"/>
+                        <a:t>N-gram</a:t>
+                      </a:r>
+                    </a:p>
+                  </a:txBody>
+                  <a:tcPr>
+                    <a:solidFill>
+                      <a:schemeClr val="accent6">
+                        <a:lumMod val="40000"/>
+                        <a:lumOff val="60000"/>
+                      </a:schemeClr>
+                    </a:solidFill>
+                  </a:tcPr>
+                </a:tc>
+                <a:tc>
+                  <a:txBody>
+                    <a:bodyPr/>
+                    <a:lstStyle/>
+                    <a:p>
+                      <a:endParaRPr lang="en-US" dirty="0"/>
+                    </a:p>
+                  </a:txBody>
+                  <a:tcPr/>
+                </a:tc>
+                <a:tc>
+                  <a:txBody>
+                    <a:bodyPr/>
+                    <a:lstStyle/>
+                    <a:p>
+                      <a:r>
+                        <a:rPr lang="en-US" dirty="0"/>
+                        <a:t>N-gram</a:t>
+                      </a:r>
+                    </a:p>
+                  </a:txBody>
+                  <a:tcPr>
+                    <a:solidFill>
+                      <a:schemeClr val="accent6">
+                        <a:lumMod val="40000"/>
+                        <a:lumOff val="60000"/>
+                      </a:schemeClr>
+                    </a:solidFill>
+                  </a:tcPr>
+                </a:tc>
+                <a:extLst>
+                  <a:ext uri="{0D108BD9-81ED-4DB2-BD59-A6C34878D82A}">
+                    <a16:rowId xmlns:a16="http://schemas.microsoft.com/office/drawing/2014/main" val="867467872"/>
+                  </a:ext>
+                </a:extLst>
+              </a:tr>
+              <a:tr h="370840">
+                <a:tc>
+                  <a:txBody>
+                    <a:bodyPr/>
+                    <a:lstStyle/>
+                    <a:p>
+                      <a:endParaRPr lang="en-US" dirty="0"/>
+                    </a:p>
+                  </a:txBody>
+                  <a:tcPr/>
+                </a:tc>
+                <a:tc>
+                  <a:txBody>
+                    <a:bodyPr/>
+                    <a:lstStyle/>
+                    <a:p>
+                      <a:endParaRPr lang="en-US" dirty="0"/>
+                    </a:p>
+                  </a:txBody>
+                  <a:tcPr/>
+                </a:tc>
+                <a:tc>
+                  <a:txBody>
+                    <a:bodyPr/>
+                    <a:lstStyle/>
+                    <a:p>
+                      <a:r>
+                        <a:rPr lang="en-US" dirty="0"/>
+                        <a:t>Cross Validation</a:t>
+                      </a:r>
+                    </a:p>
+                  </a:txBody>
+                  <a:tcPr>
+                    <a:solidFill>
+                      <a:schemeClr val="accent4">
+                        <a:lumMod val="60000"/>
+                        <a:lumOff val="40000"/>
+                      </a:schemeClr>
+                    </a:solidFill>
+                  </a:tcPr>
+                </a:tc>
+                <a:extLst>
+                  <a:ext uri="{0D108BD9-81ED-4DB2-BD59-A6C34878D82A}">
+                    <a16:rowId xmlns:a16="http://schemas.microsoft.com/office/drawing/2014/main" val="3371196726"/>
+                  </a:ext>
+                </a:extLst>
+              </a:tr>
+              <a:tr h="370840">
+                <a:tc>
+                  <a:txBody>
+                    <a:bodyPr/>
+                    <a:lstStyle/>
+                    <a:p>
+                      <a:r>
+                        <a:rPr lang="en-US" dirty="0"/>
+                        <a:t>ANN</a:t>
+                      </a:r>
+                    </a:p>
+                  </a:txBody>
+                  <a:tcPr>
+                    <a:solidFill>
+                      <a:schemeClr val="accent2">
+                        <a:lumMod val="60000"/>
+                        <a:lumOff val="40000"/>
+                      </a:schemeClr>
+                    </a:solidFill>
+                  </a:tcPr>
+                </a:tc>
+                <a:tc>
+                  <a:txBody>
+                    <a:bodyPr/>
+                    <a:lstStyle/>
+                    <a:p>
+                      <a:r>
+                        <a:rPr lang="en-US" dirty="0"/>
+                        <a:t>SVM</a:t>
+                      </a:r>
+                    </a:p>
+                  </a:txBody>
+                  <a:tcPr>
+                    <a:solidFill>
+                      <a:schemeClr val="accent2">
+                        <a:lumMod val="60000"/>
+                        <a:lumOff val="40000"/>
+                      </a:schemeClr>
+                    </a:solidFill>
+                  </a:tcPr>
+                </a:tc>
+                <a:tc>
+                  <a:txBody>
+                    <a:bodyPr/>
+                    <a:lstStyle/>
+                    <a:p>
+                      <a:r>
+                        <a:rPr lang="en-US" dirty="0"/>
+                        <a:t>Naïve Bayes</a:t>
+                      </a:r>
+                    </a:p>
+                  </a:txBody>
+                  <a:tcPr>
+                    <a:solidFill>
+                      <a:schemeClr val="accent4">
+                        <a:lumMod val="60000"/>
+                        <a:lumOff val="40000"/>
+                      </a:schemeClr>
+                    </a:solidFill>
+                  </a:tcPr>
+                </a:tc>
+                <a:extLst>
+                  <a:ext uri="{0D108BD9-81ED-4DB2-BD59-A6C34878D82A}">
+                    <a16:rowId xmlns:a16="http://schemas.microsoft.com/office/drawing/2014/main" val="4214631569"/>
+                  </a:ext>
+                </a:extLst>
+              </a:tr>
+              <a:tr h="370840">
+                <a:tc>
+                  <a:txBody>
+                    <a:bodyPr/>
+                    <a:lstStyle/>
+                    <a:p>
+                      <a:r>
+                        <a:rPr lang="en-US" dirty="0"/>
+                        <a:t>Report</a:t>
+                      </a:r>
+                    </a:p>
+                  </a:txBody>
+                  <a:tcPr>
+                    <a:solidFill>
+                      <a:schemeClr val="accent2">
+                        <a:lumMod val="60000"/>
+                        <a:lumOff val="40000"/>
+                      </a:schemeClr>
+                    </a:solidFill>
+                  </a:tcPr>
+                </a:tc>
+                <a:tc>
+                  <a:txBody>
+                    <a:bodyPr/>
+                    <a:lstStyle/>
+                    <a:p>
+                      <a:endParaRPr lang="en-US" dirty="0"/>
+                    </a:p>
+                  </a:txBody>
+                  <a:tcPr/>
+                </a:tc>
+                <a:tc>
+                  <a:txBody>
+                    <a:bodyPr/>
+                    <a:lstStyle/>
+                    <a:p>
+                      <a:endParaRPr lang="en-US" dirty="0"/>
+                    </a:p>
+                  </a:txBody>
+                  <a:tcPr/>
+                </a:tc>
+                <a:extLst>
+                  <a:ext uri="{0D108BD9-81ED-4DB2-BD59-A6C34878D82A}">
+                    <a16:rowId xmlns:a16="http://schemas.microsoft.com/office/drawing/2014/main" val="1521200910"/>
+                  </a:ext>
+                </a:extLst>
+              </a:tr>
+              <a:tr h="370840">
+                <a:tc>
+                  <a:txBody>
+                    <a:bodyPr/>
+                    <a:lstStyle/>
+                    <a:p>
+                      <a:endParaRPr lang="en-US"/>
+                    </a:p>
+                  </a:txBody>
+                  <a:tcPr/>
+                </a:tc>
+                <a:tc>
+                  <a:txBody>
+                    <a:bodyPr/>
+                    <a:lstStyle/>
+                    <a:p>
+                      <a:endParaRPr lang="en-US" dirty="0"/>
+                    </a:p>
+                  </a:txBody>
+                  <a:tcPr/>
+                </a:tc>
+                <a:tc>
+                  <a:txBody>
+                    <a:bodyPr/>
+                    <a:lstStyle/>
+                    <a:p>
+                      <a:r>
+                        <a:rPr lang="en-US" dirty="0"/>
+                        <a:t>Presentation</a:t>
+                      </a:r>
+                    </a:p>
+                  </a:txBody>
+                  <a:tcPr>
+                    <a:solidFill>
+                      <a:schemeClr val="accent6">
+                        <a:lumMod val="40000"/>
+                        <a:lumOff val="60000"/>
+                      </a:schemeClr>
+                    </a:solidFill>
+                  </a:tcPr>
+                </a:tc>
+                <a:extLst>
+                  <a:ext uri="{0D108BD9-81ED-4DB2-BD59-A6C34878D82A}">
+                    <a16:rowId xmlns:a16="http://schemas.microsoft.com/office/drawing/2014/main" val="3323831235"/>
+                  </a:ext>
+                </a:extLst>
+              </a:tr>
+            </a:tbl>
+          </a:graphicData>
+        </a:graphic>
+      </p:graphicFrame>
       <p:sp>
         <p:nvSpPr>
           <p:cNvPr id="4" name="Date Placeholder 3">
@@ -5144,7 +6038,7 @@
           <a:p>
             <a:fld id="{8702BD1D-CDAB-694B-AE4C-FBA28D5CF6CD}" type="datetime5">
               <a:rPr lang="en-US" smtClean="0"/>
-              <a:t>18-Apr-19</a:t>
+              <a:t>24-Apr-19</a:t>
             </a:fld>
             <a:endParaRPr lang="en-US"/>
           </a:p>
